--- a/Slides/2025/spec-edu-wg/2025-8-Europe-Asia.pptx
+++ b/Slides/2025/spec-edu-wg/2025-8-Europe-Asia.pptx
@@ -4285,10 +4285,10 @@
       </p:pic>
       <p:pic>
         <p:nvPicPr>
-          <p:cNvPr id="3" name="Picture 2">
+          <p:cNvPr id="5" name="Graphic 4">
             <a:extLst>
               <a:ext uri="{FF2B5EF4-FFF2-40B4-BE49-F238E27FC236}">
-                <a16:creationId xmlns:a16="http://schemas.microsoft.com/office/drawing/2014/main" id="{2BC99040-D52B-5FAC-01DD-AA11C386147B}"/>
+                <a16:creationId xmlns:a16="http://schemas.microsoft.com/office/drawing/2014/main" id="{B988EA2B-C859-1A79-73FD-B64240BEBE09}"/>
               </a:ext>
             </a:extLst>
           </p:cNvPr>
@@ -4298,15 +4298,21 @@
           <p:nvPr userDrawn="1"/>
         </p:nvPicPr>
         <p:blipFill>
-          <a:blip r:embed="rId6"/>
+          <a:blip r:embed="rId6">
+            <a:extLst>
+              <a:ext uri="{96DAC541-7B7A-43D3-8B79-37D633B846F1}">
+                <asvg:svgBlip xmlns:asvg="http://schemas.microsoft.com/office/drawing/2016/SVG/main" r:embed="rId7"/>
+              </a:ext>
+            </a:extLst>
+          </a:blip>
           <a:stretch>
             <a:fillRect/>
           </a:stretch>
         </p:blipFill>
         <p:spPr>
           <a:xfrm>
-            <a:off x="5572981" y="3566823"/>
-            <a:ext cx="2641600" cy="1409700"/>
+            <a:off x="5778234" y="2825864"/>
+            <a:ext cx="2660178" cy="2185147"/>
           </a:xfrm>
           <a:prstGeom prst="rect">
             <a:avLst/>

--- a/Slides/2025/spec-edu-wg/2025-8-Europe-Asia.pptx
+++ b/Slides/2025/spec-edu-wg/2025-8-Europe-Asia.pptx
@@ -6330,7 +6330,7 @@
         <p:spPr/>
         <p:txBody>
           <a:bodyPr>
-            <a:normAutofit/>
+            <a:normAutofit fontScale="92500"/>
           </a:bodyPr>
           <a:lstStyle/>
           <a:p>
@@ -6364,7 +6364,15 @@
           <a:p>
             <a:r>
               <a:rPr lang="en-US" dirty="0"/>
-              <a:t>LFC193 md GitHub version created:</a:t>
+              <a:t>Focus your comments on this new LFC193 </a:t>
+            </a:r>
+            <a:r>
+              <a:rPr lang="en-US" dirty="0" err="1"/>
+              <a:t>MarkDown</a:t>
+            </a:r>
+            <a:r>
+              <a:rPr lang="en-US" dirty="0"/>
+              <a:t> version on GitHub:</a:t>
             </a:r>
             <a:br>
               <a:rPr lang="en-US" dirty="0"/>
@@ -6379,6 +6387,22 @@
               <a:rPr lang="en-US" sz="1400" dirty="0"/>
               <a:t> </a:t>
             </a:r>
+          </a:p>
+          <a:p>
+            <a:r>
+              <a:rPr lang="en-US" dirty="0"/>
+              <a:t>Started adding relevant training resource information / links to the Sample Policy:</a:t>
+            </a:r>
+            <a:br>
+              <a:rPr lang="en-US" dirty="0"/>
+            </a:br>
+            <a:r>
+              <a:rPr lang="en-US" sz="1400" i="1" dirty="0">
+                <a:hlinkClick r:id="rId4"/>
+              </a:rPr>
+              <a:t>https://lists.openchainproject.org/g/education/topic/sample_policy_training_matrix/114662906</a:t>
+            </a:r>
+            <a:endParaRPr lang="en-US" sz="1400" i="1" dirty="0"/>
           </a:p>
         </p:txBody>
       </p:sp>
@@ -6397,7 +6421,7 @@
           <p:nvPr/>
         </p:nvPicPr>
         <p:blipFill>
-          <a:blip r:embed="rId4"/>
+          <a:blip r:embed="rId5"/>
           <a:srcRect/>
           <a:stretch/>
         </p:blipFill>
